--- a/presentation/presentation.pptx
+++ b/presentation/presentation.pptx
@@ -209,7 +209,7 @@
           <a:p>
             <a:fld id="{824D4C19-95D0-4599-AE7C-6A20D4B5DA58}" type="datetimeFigureOut">
               <a:rPr lang="en-US" smtClean="0"/>
-              <a:t>4/26/2012</a:t>
+              <a:t>5/15/2012</a:t>
             </a:fld>
             <a:endParaRPr lang="en-US"/>
           </a:p>
@@ -723,8 +723,8 @@
           <a:lstStyle/>
           <a:p>
             <a:r>
-              <a:rPr lang="en-US" dirty="0" err="1" smtClean="0"/>
-              <a:t>todo</a:t>
+              <a:rPr lang="en-US" dirty="0" smtClean="0"/>
+              <a:t>raise your hand if you've heard of one of these</a:t>
             </a:r>
             <a:endParaRPr lang="en-US" dirty="0"/>
           </a:p>
@@ -810,10 +810,6 @@
           <a:bodyPr/>
           <a:lstStyle/>
           <a:p>
-            <a:r>
-              <a:rPr lang="en-US" dirty="0" err="1" smtClean="0"/>
-              <a:t>todo</a:t>
-            </a:r>
             <a:endParaRPr lang="en-US" dirty="0"/>
           </a:p>
         </p:txBody>
@@ -898,10 +894,6 @@
           <a:bodyPr/>
           <a:lstStyle/>
           <a:p>
-            <a:r>
-              <a:rPr lang="en-US" dirty="0" err="1" smtClean="0"/>
-              <a:t>todo</a:t>
-            </a:r>
             <a:endParaRPr lang="en-US" dirty="0"/>
           </a:p>
         </p:txBody>
@@ -988,7 +980,27 @@
           <a:p>
             <a:r>
               <a:rPr lang="en-US" dirty="0" smtClean="0"/>
-              <a:t>without it, we must choose between slowing down i/o (read/write-repair), re-instancing the replica, or another asynchronous conflict resolution method</a:t>
+              <a:t>without it, we </a:t>
+            </a:r>
+            <a:r>
+              <a:rPr lang="en-US" dirty="0" smtClean="0"/>
+              <a:t>would be forced to choose </a:t>
+            </a:r>
+            <a:r>
+              <a:rPr lang="en-US" dirty="0" smtClean="0"/>
+              <a:t>between slowing down i/o (read/write-repair), re-instancing the replica, </a:t>
+            </a:r>
+            <a:r>
+              <a:rPr lang="en-US" smtClean="0"/>
+              <a:t>or </a:t>
+            </a:r>
+            <a:r>
+              <a:rPr lang="en-US" smtClean="0"/>
+              <a:t>using another asynchronous </a:t>
+            </a:r>
+            <a:r>
+              <a:rPr lang="en-US" dirty="0" smtClean="0"/>
+              <a:t>conflict resolution method</a:t>
             </a:r>
             <a:endParaRPr lang="en-US" dirty="0"/>
           </a:p>
@@ -4153,7 +4165,7 @@
           <a:p>
             <a:fld id="{4420DABF-DCA9-4A0D-B3C3-0FBC1FD75A23}" type="datetimeFigureOut">
               <a:rPr lang="en-US" smtClean="0"/>
-              <a:t>4/26/2012</a:t>
+              <a:t>5/15/2012</a:t>
             </a:fld>
             <a:endParaRPr lang="en-US"/>
           </a:p>
@@ -4438,7 +4450,7 @@
           <a:p>
             <a:fld id="{4420DABF-DCA9-4A0D-B3C3-0FBC1FD75A23}" type="datetimeFigureOut">
               <a:rPr lang="en-US" smtClean="0"/>
-              <a:t>4/26/2012</a:t>
+              <a:t>5/15/2012</a:t>
             </a:fld>
             <a:endParaRPr lang="en-US"/>
           </a:p>
@@ -4613,7 +4625,7 @@
           <a:p>
             <a:fld id="{4420DABF-DCA9-4A0D-B3C3-0FBC1FD75A23}" type="datetimeFigureOut">
               <a:rPr lang="en-US" smtClean="0"/>
-              <a:t>4/26/2012</a:t>
+              <a:t>5/15/2012</a:t>
             </a:fld>
             <a:endParaRPr lang="en-US"/>
           </a:p>
@@ -4778,7 +4790,7 @@
           <a:p>
             <a:fld id="{4420DABF-DCA9-4A0D-B3C3-0FBC1FD75A23}" type="datetimeFigureOut">
               <a:rPr lang="en-US" smtClean="0"/>
-              <a:t>4/26/2012</a:t>
+              <a:t>5/15/2012</a:t>
             </a:fld>
             <a:endParaRPr lang="en-US"/>
           </a:p>
@@ -5019,7 +5031,7 @@
           <a:p>
             <a:fld id="{4420DABF-DCA9-4A0D-B3C3-0FBC1FD75A23}" type="datetimeFigureOut">
               <a:rPr lang="en-US" smtClean="0"/>
-              <a:t>4/26/2012</a:t>
+              <a:t>5/15/2012</a:t>
             </a:fld>
             <a:endParaRPr lang="en-US"/>
           </a:p>
@@ -5132,7 +5144,7 @@
           <a:p>
             <a:fld id="{4420DABF-DCA9-4A0D-B3C3-0FBC1FD75A23}" type="datetimeFigureOut">
               <a:rPr lang="en-US" smtClean="0"/>
-              <a:t>4/26/2012</a:t>
+              <a:t>5/15/2012</a:t>
             </a:fld>
             <a:endParaRPr lang="en-US"/>
           </a:p>
@@ -5671,7 +5683,7 @@
           <a:p>
             <a:fld id="{4420DABF-DCA9-4A0D-B3C3-0FBC1FD75A23}" type="datetimeFigureOut">
               <a:rPr lang="en-US" smtClean="0"/>
-              <a:t>4/26/2012</a:t>
+              <a:t>5/15/2012</a:t>
             </a:fld>
             <a:endParaRPr lang="en-US"/>
           </a:p>
@@ -5784,7 +5796,7 @@
           <a:p>
             <a:fld id="{4420DABF-DCA9-4A0D-B3C3-0FBC1FD75A23}" type="datetimeFigureOut">
               <a:rPr lang="en-US" smtClean="0"/>
-              <a:t>4/26/2012</a:t>
+              <a:t>5/15/2012</a:t>
             </a:fld>
             <a:endParaRPr lang="en-US"/>
           </a:p>
@@ -5874,7 +5886,7 @@
           <a:p>
             <a:fld id="{4420DABF-DCA9-4A0D-B3C3-0FBC1FD75A23}" type="datetimeFigureOut">
               <a:rPr lang="en-US" smtClean="0"/>
-              <a:t>4/26/2012</a:t>
+              <a:t>5/15/2012</a:t>
             </a:fld>
             <a:endParaRPr lang="en-US"/>
           </a:p>
@@ -8525,7 +8537,7 @@
           <a:p>
             <a:fld id="{4420DABF-DCA9-4A0D-B3C3-0FBC1FD75A23}" type="datetimeFigureOut">
               <a:rPr lang="en-US" smtClean="0"/>
-              <a:t>4/26/2012</a:t>
+              <a:t>5/15/2012</a:t>
             </a:fld>
             <a:endParaRPr lang="en-US"/>
           </a:p>
@@ -11737,7 +11749,7 @@
           <a:p>
             <a:fld id="{4420DABF-DCA9-4A0D-B3C3-0FBC1FD75A23}" type="datetimeFigureOut">
               <a:rPr lang="en-US" smtClean="0"/>
-              <a:t>4/26/2012</a:t>
+              <a:t>5/15/2012</a:t>
             </a:fld>
             <a:endParaRPr lang="en-US"/>
           </a:p>
@@ -14559,7 +14571,7 @@
           <a:p>
             <a:fld id="{4420DABF-DCA9-4A0D-B3C3-0FBC1FD75A23}" type="datetimeFigureOut">
               <a:rPr lang="en-US" smtClean="0"/>
-              <a:t>4/26/2012</a:t>
+              <a:t>5/15/2012</a:t>
             </a:fld>
             <a:endParaRPr lang="en-US"/>
           </a:p>
@@ -15266,7 +15278,7 @@
           <a:p>
             <a:r>
               <a:rPr lang="en-US" dirty="0"/>
-              <a:t>Variations: non-binary trees, lazy hash computation</a:t>
+              <a:t>Variations: non-binary trees, short-circuiting with base case failover</a:t>
             </a:r>
           </a:p>
         </p:txBody>
@@ -16160,7 +16172,51 @@
           <a:bodyPr/>
           <a:lstStyle/>
           <a:p>
-            <a:endParaRPr lang="en-US"/>
+            <a:r>
+              <a:rPr lang="en-US" dirty="0" err="1"/>
+              <a:t>BigTable</a:t>
+            </a:r>
+            <a:endParaRPr lang="en-US" dirty="0"/>
+          </a:p>
+          <a:p>
+            <a:r>
+              <a:rPr lang="en-US" dirty="0"/>
+              <a:t>Dynamo</a:t>
+            </a:r>
+          </a:p>
+          <a:p>
+            <a:r>
+              <a:rPr lang="en-US" dirty="0"/>
+              <a:t>Cassandra</a:t>
+            </a:r>
+          </a:p>
+          <a:p>
+            <a:r>
+              <a:rPr lang="en-US" dirty="0" err="1"/>
+              <a:t>Voldemort</a:t>
+            </a:r>
+            <a:endParaRPr lang="en-US" dirty="0"/>
+          </a:p>
+          <a:p>
+            <a:r>
+              <a:rPr lang="en-US" dirty="0" err="1"/>
+              <a:t>HBase</a:t>
+            </a:r>
+            <a:endParaRPr lang="en-US" dirty="0"/>
+          </a:p>
+          <a:p>
+            <a:r>
+              <a:rPr lang="en-US" dirty="0" err="1"/>
+              <a:t>CouchDB</a:t>
+            </a:r>
+            <a:endParaRPr lang="en-US" dirty="0"/>
+          </a:p>
+          <a:p>
+            <a:r>
+              <a:rPr lang="en-US" dirty="0" err="1"/>
+              <a:t>MongoDB</a:t>
+            </a:r>
+            <a:endParaRPr lang="en-US" dirty="0"/>
           </a:p>
         </p:txBody>
       </p:sp>
@@ -16223,25 +16279,72 @@
           </a:p>
         </p:txBody>
       </p:sp>
-      <p:sp>
-        <p:nvSpPr>
-          <p:cNvPr id="3" name="Content Placeholder 2"/>
-          <p:cNvSpPr>
-            <a:spLocks noGrp="1"/>
-          </p:cNvSpPr>
+      <p:pic>
+        <p:nvPicPr>
+          <p:cNvPr id="1026" name="Picture 2"/>
+          <p:cNvPicPr>
+            <a:picLocks noGrp="1" noChangeAspect="1" noChangeArrowheads="1"/>
+          </p:cNvPicPr>
           <p:nvPr>
             <p:ph idx="1"/>
           </p:nvPr>
-        </p:nvSpPr>
-        <p:spPr/>
-        <p:txBody>
-          <a:bodyPr/>
-          <a:lstStyle/>
-          <a:p>
-            <a:endParaRPr lang="en-US"/>
-          </a:p>
-        </p:txBody>
-      </p:sp>
+        </p:nvPicPr>
+        <p:blipFill>
+          <a:blip r:embed="rId3" cstate="print">
+            <a:extLst>
+              <a:ext uri="{28A0092B-C50C-407E-A947-70E740481C1C}">
+                <a14:useLocalDpi xmlns:a14="http://schemas.microsoft.com/office/drawing/2010/main" val="0"/>
+              </a:ext>
+            </a:extLst>
+          </a:blip>
+          <a:srcRect/>
+          <a:stretch>
+            <a:fillRect/>
+          </a:stretch>
+        </p:blipFill>
+        <p:spPr bwMode="auto">
+          <a:xfrm>
+            <a:off x="2678606" y="2324100"/>
+            <a:ext cx="3505801" cy="3508375"/>
+          </a:xfrm>
+          <a:prstGeom prst="rect">
+            <a:avLst/>
+          </a:prstGeom>
+          <a:noFill/>
+          <a:ln>
+            <a:noFill/>
+          </a:ln>
+          <a:effectLst/>
+          <a:extLst>
+            <a:ext uri="{909E8E84-426E-40DD-AFC4-6F175D3DCCD1}">
+              <a14:hiddenFill xmlns:a14="http://schemas.microsoft.com/office/drawing/2010/main">
+                <a:solidFill>
+                  <a:schemeClr val="accent1"/>
+                </a:solidFill>
+              </a14:hiddenFill>
+            </a:ext>
+            <a:ext uri="{91240B29-F687-4F45-9708-019B960494DF}">
+              <a14:hiddenLine xmlns:a14="http://schemas.microsoft.com/office/drawing/2010/main" w="9525">
+                <a:solidFill>
+                  <a:schemeClr val="tx1"/>
+                </a:solidFill>
+                <a:miter lim="800000"/>
+                <a:headEnd/>
+                <a:tailEnd/>
+              </a14:hiddenLine>
+            </a:ext>
+            <a:ext uri="{AF507438-7753-43E0-B8FC-AC1667EBCBE1}">
+              <a14:hiddenEffects xmlns:a14="http://schemas.microsoft.com/office/drawing/2010/main">
+                <a:effectLst>
+                  <a:outerShdw dist="35921" dir="2700000" algn="ctr" rotWithShape="0">
+                    <a:schemeClr val="bg2"/>
+                  </a:outerShdw>
+                </a:effectLst>
+              </a14:hiddenEffects>
+            </a:ext>
+          </a:extLst>
+        </p:spPr>
+      </p:pic>
     </p:spTree>
     <p:extLst>
       <p:ext uri="{BB962C8B-B14F-4D97-AF65-F5344CB8AC3E}">
@@ -16316,7 +16419,17 @@
           <a:bodyPr/>
           <a:lstStyle/>
           <a:p>
-            <a:endParaRPr lang="en-US"/>
+            <a:r>
+              <a:rPr lang="en-US" dirty="0"/>
+              <a:t>Conflicts still need to be resolved, even if only eventually</a:t>
+            </a:r>
+          </a:p>
+          <a:p>
+            <a:r>
+              <a:rPr lang="en-US" dirty="0"/>
+              <a:t>Many conflict resolution techniques exist</a:t>
+            </a:r>
+            <a:endParaRPr lang="en-US" dirty="0"/>
           </a:p>
         </p:txBody>
       </p:sp>
